--- a/PainRelieverMisuse_NSDUH2017.pptx
+++ b/PainRelieverMisuse_NSDUH2017.pptx
@@ -208,7 +208,7 @@
           <a:p>
             <a:fld id="{F95D6E44-187B-4E70-904B-740D5F839C17}" type="datetimeFigureOut">
               <a:rPr lang="en-IE" smtClean="0"/>
-              <a:t>23/05/2019</a:t>
+              <a:t>24/05/2019</a:t>
             </a:fld>
             <a:endParaRPr lang="en-IE"/>
           </a:p>
@@ -667,7 +667,7 @@
           <a:p>
             <a:fld id="{82582AF6-5020-496E-9869-F032C6AACE08}" type="datetime1">
               <a:rPr lang="en-US" smtClean="0"/>
-              <a:t>5/23/2019</a:t>
+              <a:t>5/24/2019</a:t>
             </a:fld>
             <a:endParaRPr lang="en-US"/>
           </a:p>
@@ -1103,7 +1103,7 @@
           <a:p>
             <a:fld id="{E6796B75-AED5-4E58-8ACC-6CBFFA5D212B}" type="datetime1">
               <a:rPr lang="en-US" smtClean="0"/>
-              <a:t>5/23/2019</a:t>
+              <a:t>5/24/2019</a:t>
             </a:fld>
             <a:endParaRPr lang="en-US"/>
           </a:p>
@@ -1354,7 +1354,7 @@
           <a:p>
             <a:fld id="{E6796B75-AED5-4E58-8ACC-6CBFFA5D212B}" type="datetime1">
               <a:rPr lang="en-US" smtClean="0"/>
-              <a:t>5/23/2019</a:t>
+              <a:t>5/24/2019</a:t>
             </a:fld>
             <a:endParaRPr lang="en-US"/>
           </a:p>
@@ -1663,7 +1663,7 @@
           <a:p>
             <a:fld id="{E6796B75-AED5-4E58-8ACC-6CBFFA5D212B}" type="datetime1">
               <a:rPr lang="en-US" smtClean="0"/>
-              <a:t>5/23/2019</a:t>
+              <a:t>5/24/2019</a:t>
             </a:fld>
             <a:endParaRPr lang="en-US"/>
           </a:p>
@@ -1982,7 +1982,7 @@
           <a:p>
             <a:fld id="{E6796B75-AED5-4E58-8ACC-6CBFFA5D212B}" type="datetime1">
               <a:rPr lang="en-US" smtClean="0"/>
-              <a:t>5/23/2019</a:t>
+              <a:t>5/24/2019</a:t>
             </a:fld>
             <a:endParaRPr lang="en-US"/>
           </a:p>
@@ -2285,7 +2285,7 @@
           <a:p>
             <a:fld id="{E6796B75-AED5-4E58-8ACC-6CBFFA5D212B}" type="datetime1">
               <a:rPr lang="en-US" smtClean="0"/>
-              <a:t>5/23/2019</a:t>
+              <a:t>5/24/2019</a:t>
             </a:fld>
             <a:endParaRPr lang="en-US"/>
           </a:p>
@@ -2653,7 +2653,7 @@
           <a:p>
             <a:fld id="{E6796B75-AED5-4E58-8ACC-6CBFFA5D212B}" type="datetime1">
               <a:rPr lang="en-US" smtClean="0"/>
-              <a:t>5/23/2019</a:t>
+              <a:t>5/24/2019</a:t>
             </a:fld>
             <a:endParaRPr lang="en-US"/>
           </a:p>
@@ -2828,7 +2828,7 @@
           <a:p>
             <a:fld id="{AD0981CE-B552-4B48-98BE-53B94869ACC8}" type="datetime1">
               <a:rPr lang="en-US" smtClean="0"/>
-              <a:t>5/23/2019</a:t>
+              <a:t>5/24/2019</a:t>
             </a:fld>
             <a:endParaRPr lang="en-US"/>
           </a:p>
@@ -3008,7 +3008,7 @@
           <a:p>
             <a:fld id="{33A12B24-311D-4D76-8999-0E2761AA3D4B}" type="datetime1">
               <a:rPr lang="en-US" smtClean="0"/>
-              <a:t>5/23/2019</a:t>
+              <a:t>5/24/2019</a:t>
             </a:fld>
             <a:endParaRPr lang="en-US"/>
           </a:p>
@@ -3178,7 +3178,7 @@
           <a:p>
             <a:fld id="{5114C83D-59F8-4EE4-A454-BD26FCC4EB68}" type="datetime1">
               <a:rPr lang="en-US" smtClean="0"/>
-              <a:t>5/23/2019</a:t>
+              <a:t>5/24/2019</a:t>
             </a:fld>
             <a:endParaRPr lang="en-US"/>
           </a:p>
@@ -3428,7 +3428,7 @@
           <a:p>
             <a:fld id="{DAAB6937-FE8A-4458-82A0-B809B638701C}" type="datetime1">
               <a:rPr lang="en-US" smtClean="0"/>
-              <a:t>5/23/2019</a:t>
+              <a:t>5/24/2019</a:t>
             </a:fld>
             <a:endParaRPr lang="en-US"/>
           </a:p>
@@ -3664,7 +3664,7 @@
           <a:p>
             <a:fld id="{72645F64-C9D4-466D-B754-5E1057BAA415}" type="datetime1">
               <a:rPr lang="en-US" smtClean="0"/>
-              <a:t>5/23/2019</a:t>
+              <a:t>5/24/2019</a:t>
             </a:fld>
             <a:endParaRPr lang="en-US"/>
           </a:p>
@@ -4046,7 +4046,7 @@
           <a:p>
             <a:fld id="{8F14F171-D0C9-465D-9AA7-0D60CB54AC73}" type="datetime1">
               <a:rPr lang="en-US" smtClean="0"/>
-              <a:t>5/23/2019</a:t>
+              <a:t>5/24/2019</a:t>
             </a:fld>
             <a:endParaRPr lang="en-US"/>
           </a:p>
@@ -4164,7 +4164,7 @@
           <a:p>
             <a:fld id="{12D8B428-24C6-4811-96DA-0F1BB95782DD}" type="datetime1">
               <a:rPr lang="en-US" smtClean="0"/>
-              <a:t>5/23/2019</a:t>
+              <a:t>5/24/2019</a:t>
             </a:fld>
             <a:endParaRPr lang="en-US"/>
           </a:p>
@@ -4259,7 +4259,7 @@
           <a:p>
             <a:fld id="{CC8D62FB-86C8-4017-8C59-4D878A7C0577}" type="datetime1">
               <a:rPr lang="en-US" smtClean="0"/>
-              <a:t>5/23/2019</a:t>
+              <a:t>5/24/2019</a:t>
             </a:fld>
             <a:endParaRPr lang="en-US"/>
           </a:p>
@@ -4514,7 +4514,7 @@
           <a:p>
             <a:fld id="{F5D50881-B411-4E6C-A056-323C83A6BAE1}" type="datetime1">
               <a:rPr lang="en-US" smtClean="0"/>
-              <a:t>5/23/2019</a:t>
+              <a:t>5/24/2019</a:t>
             </a:fld>
             <a:endParaRPr lang="en-US"/>
           </a:p>
@@ -4797,7 +4797,7 @@
           <a:p>
             <a:fld id="{6096AEF6-394E-4168-9AD6-74735E3CF7EC}" type="datetime1">
               <a:rPr lang="en-US" smtClean="0"/>
-              <a:t>5/23/2019</a:t>
+              <a:t>5/24/2019</a:t>
             </a:fld>
             <a:endParaRPr lang="en-US"/>
           </a:p>
@@ -5203,7 +5203,7 @@
           <a:p>
             <a:fld id="{E6796B75-AED5-4E58-8ACC-6CBFFA5D212B}" type="datetime1">
               <a:rPr lang="en-US" smtClean="0"/>
-              <a:t>5/23/2019</a:t>
+              <a:t>5/24/2019</a:t>
             </a:fld>
             <a:endParaRPr lang="en-US"/>
           </a:p>
@@ -5802,12 +5802,42 @@
               <a:t> National Survey on Drug Use and Health</a:t>
             </a:r>
             <a:br>
-              <a:rPr lang="en-IE" b="1" dirty="0"/>
+              <a:rPr lang="en-IE" sz="3600" b="1" dirty="0">
+                <a:latin typeface="Aharoni" panose="020B0604020202020204" pitchFamily="2" charset="-79"/>
+                <a:cs typeface="Aharoni" panose="020B0604020202020204" pitchFamily="2" charset="-79"/>
+              </a:rPr>
             </a:br>
             <a:br>
-              <a:rPr lang="en-IE" b="1" dirty="0"/>
+              <a:rPr lang="en-IE" sz="1800" b="1" dirty="0">
+                <a:latin typeface="Aharoni" panose="020B0604020202020204" pitchFamily="2" charset="-79"/>
+                <a:cs typeface="Aharoni" panose="020B0604020202020204" pitchFamily="2" charset="-79"/>
+              </a:rPr>
             </a:br>
-            <a:endParaRPr sz="4400" dirty="0"/>
+            <a:r>
+              <a:rPr lang="en-IE" sz="1800" b="1" dirty="0">
+                <a:latin typeface="Aharoni" panose="020B0604020202020204" pitchFamily="2" charset="-79"/>
+                <a:cs typeface="Aharoni" panose="020B0604020202020204" pitchFamily="2" charset="-79"/>
+                <a:hlinkClick r:id="rId2"/>
+              </a:rPr>
+              <a:t>https://public.tableau.com/profile/rosiekeogh#!/vizhome/PainRelieverMisuse_NSDUH</a:t>
+            </a:r>
+            <a:r>
+              <a:rPr lang="en-IE" sz="2700" b="1" dirty="0">
+                <a:latin typeface="Aharoni" panose="020B0604020202020204" pitchFamily="2" charset="-79"/>
+                <a:cs typeface="Aharoni" panose="020B0604020202020204" pitchFamily="2" charset="-79"/>
+                <a:hlinkClick r:id="rId2"/>
+              </a:rPr>
+              <a:t>2017</a:t>
+            </a:r>
+            <a:r>
+              <a:rPr lang="en-IE" sz="1800" b="1" dirty="0">
+                <a:latin typeface="Aharoni" panose="020B0604020202020204" pitchFamily="2" charset="-79"/>
+                <a:cs typeface="Aharoni" panose="020B0604020202020204" pitchFamily="2" charset="-79"/>
+                <a:hlinkClick r:id="rId2"/>
+              </a:rPr>
+              <a:t>/StoryHome</a:t>
+            </a:r>
+            <a:endParaRPr sz="1800" dirty="0"/>
           </a:p>
         </p:txBody>
       </p:sp>
